--- a/HPLS/document/project/POC - Plan - Kick Off.pptx
+++ b/HPLS/document/project/POC - Plan - Kick Off.pptx
@@ -12891,7 +12891,7 @@
           <a:p>
             <a:fld id="{8ED136AB-4A00-4130-8615-08357C7DABB8}" type="datetimeFigureOut">
               <a:rPr lang="en-MY" smtClean="0"/>
-              <a:t>15/5/2014</a:t>
+              <a:t>22/5/2014</a:t>
             </a:fld>
             <a:endParaRPr lang="en-MY"/>
           </a:p>
@@ -13065,7 +13065,7 @@
           <a:p>
             <a:fld id="{02F3CBD1-2E71-4B0F-AF5D-9390E067EC02}" type="datetimeFigureOut">
               <a:rPr lang="en-MY" smtClean="0"/>
-              <a:t>15/5/2014</a:t>
+              <a:t>22/5/2014</a:t>
             </a:fld>
             <a:endParaRPr lang="en-MY"/>
           </a:p>
@@ -13599,7 +13599,7 @@
           <a:p>
             <a:fld id="{B91384A9-350A-404F-ADD3-22D23043C391}" type="datetime1">
               <a:rPr lang="en-MY" smtClean="0"/>
-              <a:t>15/5/2014</a:t>
+              <a:t>22/5/2014</a:t>
             </a:fld>
             <a:endParaRPr lang="en-MY"/>
           </a:p>
@@ -13773,7 +13773,7 @@
           <a:p>
             <a:fld id="{B3C9E1A2-9DDE-444D-A5C3-AF9F7D0A02DB}" type="datetime1">
               <a:rPr lang="en-MY" smtClean="0"/>
-              <a:t>15/5/2014</a:t>
+              <a:t>22/5/2014</a:t>
             </a:fld>
             <a:endParaRPr lang="en-MY"/>
           </a:p>
@@ -13957,7 +13957,7 @@
           <a:p>
             <a:fld id="{C8BDFEC3-BCC6-4BB1-94A5-EE599C2F1D30}" type="datetime1">
               <a:rPr lang="en-MY" smtClean="0"/>
-              <a:t>15/5/2014</a:t>
+              <a:t>22/5/2014</a:t>
             </a:fld>
             <a:endParaRPr lang="en-MY"/>
           </a:p>
@@ -14131,7 +14131,7 @@
           <a:p>
             <a:fld id="{244D4340-58A3-423C-A4B0-D638C4DDE266}" type="datetime1">
               <a:rPr lang="en-MY" smtClean="0"/>
-              <a:t>15/5/2014</a:t>
+              <a:t>22/5/2014</a:t>
             </a:fld>
             <a:endParaRPr lang="en-MY"/>
           </a:p>
@@ -14381,7 +14381,7 @@
           <a:p>
             <a:fld id="{EA81DF22-F443-49A9-8161-37B5692084F9}" type="datetime1">
               <a:rPr lang="en-MY" smtClean="0"/>
-              <a:t>15/5/2014</a:t>
+              <a:t>22/5/2014</a:t>
             </a:fld>
             <a:endParaRPr lang="en-MY"/>
           </a:p>
@@ -14617,7 +14617,7 @@
           <a:p>
             <a:fld id="{3FF27395-2236-4624-BC58-6B32FAB0DFED}" type="datetime1">
               <a:rPr lang="en-MY" smtClean="0"/>
-              <a:t>15/5/2014</a:t>
+              <a:t>22/5/2014</a:t>
             </a:fld>
             <a:endParaRPr lang="en-MY"/>
           </a:p>
@@ -14988,7 +14988,7 @@
           <a:p>
             <a:fld id="{139092E3-3F5B-4073-86CD-AA5670B9568B}" type="datetime1">
               <a:rPr lang="en-MY" smtClean="0"/>
-              <a:t>15/5/2014</a:t>
+              <a:t>22/5/2014</a:t>
             </a:fld>
             <a:endParaRPr lang="en-MY"/>
           </a:p>
@@ -15110,7 +15110,7 @@
           <a:p>
             <a:fld id="{2FE85653-78B6-4590-89E1-45A650FE2577}" type="datetime1">
               <a:rPr lang="en-MY" smtClean="0"/>
-              <a:t>15/5/2014</a:t>
+              <a:t>22/5/2014</a:t>
             </a:fld>
             <a:endParaRPr lang="en-MY"/>
           </a:p>
@@ -15209,7 +15209,7 @@
           <a:p>
             <a:fld id="{472DE7C2-E479-483C-A39A-C6D4CA1630F1}" type="datetime1">
               <a:rPr lang="en-MY" smtClean="0"/>
-              <a:t>15/5/2014</a:t>
+              <a:t>22/5/2014</a:t>
             </a:fld>
             <a:endParaRPr lang="en-MY"/>
           </a:p>
@@ -15490,7 +15490,7 @@
           <a:p>
             <a:fld id="{D2B06621-A4FE-45F3-9A76-004B4BE3D524}" type="datetime1">
               <a:rPr lang="en-MY" smtClean="0"/>
-              <a:t>15/5/2014</a:t>
+              <a:t>22/5/2014</a:t>
             </a:fld>
             <a:endParaRPr lang="en-MY"/>
           </a:p>
@@ -15747,7 +15747,7 @@
           <a:p>
             <a:fld id="{8DC62EAD-97C9-4CD9-9A6A-57179BFF0AB0}" type="datetime1">
               <a:rPr lang="en-MY" smtClean="0"/>
-              <a:t>15/5/2014</a:t>
+              <a:t>22/5/2014</a:t>
             </a:fld>
             <a:endParaRPr lang="en-MY"/>
           </a:p>
@@ -15964,7 +15964,7 @@
           <a:p>
             <a:fld id="{D155A4AB-E100-48EF-A466-479E4A3C975A}" type="datetime1">
               <a:rPr lang="en-MY" smtClean="0"/>
-              <a:t>15/5/2014</a:t>
+              <a:t>22/5/2014</a:t>
             </a:fld>
             <a:endParaRPr lang="en-MY"/>
           </a:p>
@@ -16606,7 +16606,7 @@
           <a:p>
             <a:fld id="{244D4340-58A3-423C-A4B0-D638C4DDE266}" type="datetime1">
               <a:rPr lang="en-MY" smtClean="0"/>
-              <a:t>15/5/2014</a:t>
+              <a:t>22/5/2014</a:t>
             </a:fld>
             <a:endParaRPr lang="en-MY"/>
           </a:p>
@@ -16767,7 +16767,7 @@
           <a:p>
             <a:fld id="{244D4340-58A3-423C-A4B0-D638C4DDE266}" type="datetime1">
               <a:rPr lang="en-MY" smtClean="0"/>
-              <a:t>15/5/2014</a:t>
+              <a:t>22/5/2014</a:t>
             </a:fld>
             <a:endParaRPr lang="en-MY"/>
           </a:p>
@@ -16940,7 +16940,7 @@
           <a:p>
             <a:fld id="{244D4340-58A3-423C-A4B0-D638C4DDE266}" type="datetime1">
               <a:rPr lang="en-MY" smtClean="0"/>
-              <a:t>15/5/2014</a:t>
+              <a:t>22/5/2014</a:t>
             </a:fld>
             <a:endParaRPr lang="en-MY"/>
           </a:p>
@@ -17113,7 +17113,7 @@
           <a:p>
             <a:fld id="{244D4340-58A3-423C-A4B0-D638C4DDE266}" type="datetime1">
               <a:rPr lang="en-MY" smtClean="0"/>
-              <a:t>15/5/2014</a:t>
+              <a:t>22/5/2014</a:t>
             </a:fld>
             <a:endParaRPr lang="en-MY"/>
           </a:p>
@@ -17286,7 +17286,7 @@
           <a:p>
             <a:fld id="{244D4340-58A3-423C-A4B0-D638C4DDE266}" type="datetime1">
               <a:rPr lang="en-MY" smtClean="0"/>
-              <a:t>15/5/2014</a:t>
+              <a:t>22/5/2014</a:t>
             </a:fld>
             <a:endParaRPr lang="en-MY"/>
           </a:p>
@@ -17434,7 +17434,7 @@
           <a:p>
             <a:fld id="{244D4340-58A3-423C-A4B0-D638C4DDE266}" type="datetime1">
               <a:rPr lang="en-MY" smtClean="0"/>
-              <a:t>15/5/2014</a:t>
+              <a:t>22/5/2014</a:t>
             </a:fld>
             <a:endParaRPr lang="en-MY"/>
           </a:p>
@@ -17498,7 +17498,7 @@
         </p:nvSpPr>
         <p:spPr>
           <a:xfrm>
-            <a:off x="838200" y="1825625"/>
+            <a:off x="838200" y="1872922"/>
             <a:ext cx="10515600" cy="4351338"/>
           </a:xfrm>
         </p:spPr>
@@ -17532,8 +17532,17 @@
             </a:r>
             <a:r>
               <a:rPr lang="en-US" b="1" dirty="0" smtClean="0"/>
-              <a:t>albert, Jim, Sarah, James, Alicia</a:t>
+              <a:t>albert, Jim, Sarah, James, </a:t>
             </a:r>
+            <a:r>
+              <a:rPr lang="en-US" b="1" dirty="0" smtClean="0"/>
+              <a:t>Alicia, </a:t>
+            </a:r>
+            <a:r>
+              <a:rPr lang="en-US" b="1" dirty="0" err="1" smtClean="0"/>
+              <a:t>aisyah</a:t>
+            </a:r>
+            <a:endParaRPr lang="en-US" b="1" dirty="0" smtClean="0"/>
           </a:p>
           <a:p>
             <a:r>
@@ -17742,11 +17751,7 @@
             </a:r>
             <a:r>
               <a:rPr lang="en-US" b="1" dirty="0" smtClean="0"/>
-              <a:t>1</a:t>
-            </a:r>
-            <a:r>
-              <a:rPr lang="en-US" b="1" dirty="0" smtClean="0"/>
-              <a:t>)</a:t>
+              <a:t>1)</a:t>
             </a:r>
           </a:p>
           <a:p>
@@ -17759,7 +17764,6 @@
               <a:rPr lang="en-US" b="1" dirty="0" smtClean="0"/>
               <a:t>)</a:t>
             </a:r>
-            <a:endParaRPr lang="en-US" b="1" dirty="0" smtClean="0"/>
           </a:p>
           <a:p>
             <a:pPr lvl="1"/>
@@ -17804,7 +17808,6 @@
               <a:rPr lang="en-US" dirty="0" smtClean="0"/>
               <a:t>Promotion/Deal</a:t>
             </a:r>
-            <a:endParaRPr lang="en-US" dirty="0" smtClean="0"/>
           </a:p>
           <a:p>
             <a:endParaRPr lang="en-US" b="1" dirty="0"/>
@@ -17831,7 +17834,7 @@
           <a:p>
             <a:fld id="{244D4340-58A3-423C-A4B0-D638C4DDE266}" type="datetime1">
               <a:rPr lang="en-MY" smtClean="0"/>
-              <a:t>15/5/2014</a:t>
+              <a:t>22/5/2014</a:t>
             </a:fld>
             <a:endParaRPr lang="en-MY"/>
           </a:p>
@@ -17995,13 +17998,8 @@
           <a:p>
             <a:r>
               <a:rPr lang="en-US" dirty="0" smtClean="0"/>
-              <a:t>Next Team Meeting </a:t>
+              <a:t>Next Team Meeting – tentative on 22/5/2014 2 PM – 3 PM</a:t>
             </a:r>
-            <a:r>
-              <a:rPr lang="en-US" dirty="0" smtClean="0"/>
-              <a:t>– tentative on 22/5/2014 2 PM – 3 PM</a:t>
-            </a:r>
-            <a:endParaRPr lang="en-US" dirty="0" smtClean="0"/>
           </a:p>
           <a:p>
             <a:endParaRPr lang="en-US" b="1" dirty="0"/>
@@ -18028,7 +18026,7 @@
           <a:p>
             <a:fld id="{244D4340-58A3-423C-A4B0-D638C4DDE266}" type="datetime1">
               <a:rPr lang="en-MY" smtClean="0"/>
-              <a:t>15/5/2014</a:t>
+              <a:t>22/5/2014</a:t>
             </a:fld>
             <a:endParaRPr lang="en-MY"/>
           </a:p>
